--- a/BD00-UAS/decks/UAS-PCA_MLR-Nanang_Wijaya_Kusuma.pptx
+++ b/BD00-UAS/decks/UAS-PCA_MLR-Nanang_Wijaya_Kusuma.pptx
@@ -37226,7 +37226,7 @@
         <p:spPr>
           <a:xfrm>
             <a:off x="895352" y="600075"/>
-            <a:ext cx="4876184" cy="1466852"/>
+            <a:ext cx="4325872" cy="1466852"/>
           </a:xfrm>
           <a:prstGeom prst="rect">
             <a:avLst/>
@@ -37263,7 +37263,7 @@
               <a:rPr lang="en-US" sz="4000" b="1" dirty="0">
                 <a:latin typeface="Arial Rounded MT Bold" panose="020F0704030504030204" pitchFamily="34" charset="0"/>
               </a:rPr>
-              <a:t>Data modelling</a:t>
+              <a:t>Deployment &amp; Evaluation</a:t>
             </a:r>
             <a:endParaRPr lang="en-ID" sz="4000" b="1" dirty="0">
               <a:latin typeface="Arial Rounded MT Bold" panose="020F0704030504030204" pitchFamily="34" charset="0"/>
